--- a/slides_v2.pptx
+++ b/slides_v2.pptx
@@ -5,7 +5,7 @@
     <p:sldMasterId id="2147483648" r:id="rId1"/>
   </p:sldMasterIdLst>
   <p:notesMasterIdLst>
-    <p:notesMasterId r:id="rId13"/>
+    <p:notesMasterId r:id="rId14"/>
   </p:notesMasterIdLst>
   <p:sldIdLst>
     <p:sldId id="256" r:id="rId2"/>
@@ -18,29 +18,30 @@
     <p:sldId id="260" r:id="rId9"/>
     <p:sldId id="259" r:id="rId10"/>
     <p:sldId id="265" r:id="rId11"/>
-    <p:sldId id="266" r:id="rId12"/>
+    <p:sldId id="267" r:id="rId12"/>
+    <p:sldId id="266" r:id="rId13"/>
   </p:sldIdLst>
   <p:sldSz cx="12192000" cy="6858000"/>
   <p:notesSz cx="6858000" cy="9144000"/>
   <p:embeddedFontLst>
     <p:embeddedFont>
       <p:font typeface="Open Sans" panose="020B0606030504020204" pitchFamily="34" charset="0"/>
-      <p:regular r:id="rId14"/>
-      <p:bold r:id="rId15"/>
-      <p:italic r:id="rId16"/>
-      <p:boldItalic r:id="rId17"/>
+      <p:regular r:id="rId15"/>
+      <p:bold r:id="rId16"/>
+      <p:italic r:id="rId17"/>
+      <p:boldItalic r:id="rId18"/>
     </p:embeddedFont>
     <p:embeddedFont>
       <p:font typeface="Open Sans Medium" panose="020B0604020202020204" charset="0"/>
-      <p:regular r:id="rId18"/>
-      <p:bold r:id="rId19"/>
-      <p:italic r:id="rId20"/>
-      <p:boldItalic r:id="rId21"/>
+      <p:regular r:id="rId19"/>
+      <p:bold r:id="rId20"/>
+      <p:italic r:id="rId21"/>
+      <p:boldItalic r:id="rId22"/>
     </p:embeddedFont>
     <p:embeddedFont>
       <p:font typeface="Play" panose="020B0604020202020204" charset="0"/>
-      <p:regular r:id="rId22"/>
-      <p:bold r:id="rId23"/>
+      <p:regular r:id="rId23"/>
+      <p:bold r:id="rId24"/>
     </p:embeddedFont>
   </p:embeddedFontLst>
   <p:defaultTextStyle>
@@ -274,7 +275,7 @@
   </p:defaultTextStyle>
   <p:extLst>
     <p:ext uri="GoogleSlidesCustomDataVersion2">
-      <go:slidesCustomData xmlns:go="http://customooxmlschemas.google.com/" xmlns:ahyp="http://schemas.microsoft.com/office/drawing/2018/hyperlinkcolor" xmlns:p15="http://schemas.microsoft.com/office/powerpoint/2012/main" xmlns:p14="http://schemas.microsoft.com/office/powerpoint/2010/main" xmlns:com="http://schemas.openxmlformats.org/drawingml/2006/compatibility" xmlns:pvml="urn:schemas-microsoft-com:office:powerpoint" xmlns:v="urn:schemas-microsoft-com:vml" xmlns:o="urn:schemas-microsoft-com:office:office" xmlns:dgm="http://schemas.openxmlformats.org/drawingml/2006/diagram" xmlns:c="http://schemas.openxmlformats.org/drawingml/2006/chart" xmlns:mv="urn:schemas-microsoft-com:mac:vml" xmlns:mc="http://schemas.openxmlformats.org/markup-compatibility/2006" xmlns="" r:id="rId24" roundtripDataSignature="AMtx7mhBYdUjnBS8W8YTn886O4cN20zMTg=="/>
+      <go:slidesCustomData xmlns:go="http://customooxmlschemas.google.com/" xmlns:ahyp="http://schemas.microsoft.com/office/drawing/2018/hyperlinkcolor" xmlns:p15="http://schemas.microsoft.com/office/powerpoint/2012/main" xmlns:p14="http://schemas.microsoft.com/office/powerpoint/2010/main" xmlns:com="http://schemas.openxmlformats.org/drawingml/2006/compatibility" xmlns:pvml="urn:schemas-microsoft-com:office:powerpoint" xmlns:v="urn:schemas-microsoft-com:vml" xmlns:o="urn:schemas-microsoft-com:office:office" xmlns:dgm="http://schemas.openxmlformats.org/drawingml/2006/diagram" xmlns:c="http://schemas.openxmlformats.org/drawingml/2006/chart" xmlns:mv="urn:schemas-microsoft-com:mac:vml" xmlns:mc="http://schemas.openxmlformats.org/markup-compatibility/2006" xmlns="" r:id="rId25" roundtripDataSignature="AMtx7mhBYdUjnBS8W8YTn886O4cN20zMTg=="/>
     </p:ext>
   </p:extLst>
 </p:presentation>
@@ -1705,6 +1706,133 @@
 </file>
 
 <file path=ppt/notesSlides/notesSlide11.xml><?xml version="1.0" encoding="utf-8"?>
+<p:notes xmlns:a="http://schemas.openxmlformats.org/drawingml/2006/main" xmlns:r="http://schemas.openxmlformats.org/officeDocument/2006/relationships" xmlns:p="http://schemas.openxmlformats.org/presentationml/2006/main" showMasterSp="0" showMasterPhAnim="0">
+  <p:cSld>
+    <p:spTree>
+      <p:nvGrpSpPr>
+        <p:cNvPr id="1" name="Shape 114">
+          <a:extLst>
+            <a:ext uri="{FF2B5EF4-FFF2-40B4-BE49-F238E27FC236}">
+              <a16:creationId xmlns:a16="http://schemas.microsoft.com/office/drawing/2014/main" id="{34082A30-82E3-9E7A-AB6A-E462CB6495BF}"/>
+            </a:ext>
+          </a:extLst>
+        </p:cNvPr>
+        <p:cNvGrpSpPr/>
+        <p:nvPr/>
+      </p:nvGrpSpPr>
+      <p:grpSpPr>
+        <a:xfrm>
+          <a:off x="0" y="0"/>
+          <a:ext cx="0" cy="0"/>
+          <a:chOff x="0" y="0"/>
+          <a:chExt cx="0" cy="0"/>
+        </a:xfrm>
+      </p:grpSpPr>
+      <p:sp>
+        <p:nvSpPr>
+          <p:cNvPr id="115" name="Google Shape;115;g3b05c13414c_0_0:notes">
+            <a:extLst>
+              <a:ext uri="{FF2B5EF4-FFF2-40B4-BE49-F238E27FC236}">
+                <a16:creationId xmlns:a16="http://schemas.microsoft.com/office/drawing/2014/main" id="{12B3F77E-615B-B89B-0729-BCC9EF61967B}"/>
+              </a:ext>
+            </a:extLst>
+          </p:cNvPr>
+          <p:cNvSpPr txBox="1">
+            <a:spLocks noGrp="1"/>
+          </p:cNvSpPr>
+          <p:nvPr>
+            <p:ph type="body" idx="1"/>
+          </p:nvPr>
+        </p:nvSpPr>
+        <p:spPr>
+          <a:xfrm>
+            <a:off x="685800" y="4400550"/>
+            <a:ext cx="5486400" cy="3600600"/>
+          </a:xfrm>
+          <a:prstGeom prst="rect">
+            <a:avLst/>
+          </a:prstGeom>
+        </p:spPr>
+        <p:txBody>
+          <a:bodyPr spcFirstLastPara="1" wrap="square" lIns="91425" tIns="45700" rIns="91425" bIns="45700" anchor="t" anchorCtr="0">
+            <a:noAutofit/>
+          </a:bodyPr>
+          <a:lstStyle/>
+          <a:p>
+            <a:pPr marL="0" lvl="0" indent="0" algn="l" rtl="0">
+              <a:spcBef>
+                <a:spcPts val="0"/>
+              </a:spcBef>
+              <a:spcAft>
+                <a:spcPts val="0"/>
+              </a:spcAft>
+              <a:buNone/>
+            </a:pPr>
+            <a:endParaRPr/>
+          </a:p>
+        </p:txBody>
+      </p:sp>
+      <p:sp>
+        <p:nvSpPr>
+          <p:cNvPr id="116" name="Google Shape;116;g3b05c13414c_0_0:notes">
+            <a:extLst>
+              <a:ext uri="{FF2B5EF4-FFF2-40B4-BE49-F238E27FC236}">
+                <a16:creationId xmlns:a16="http://schemas.microsoft.com/office/drawing/2014/main" id="{F6EC90E0-FC7F-41A5-F20D-5B7BA50CE586}"/>
+              </a:ext>
+            </a:extLst>
+          </p:cNvPr>
+          <p:cNvSpPr>
+            <a:spLocks noGrp="1" noRot="1" noChangeAspect="1"/>
+          </p:cNvSpPr>
+          <p:nvPr>
+            <p:ph type="sldImg" idx="2"/>
+          </p:nvPr>
+        </p:nvSpPr>
+        <p:spPr>
+          <a:xfrm>
+            <a:off x="685800" y="1143000"/>
+            <a:ext cx="5486400" cy="3086100"/>
+          </a:xfrm>
+          <a:custGeom>
+            <a:avLst/>
+            <a:gdLst/>
+            <a:ahLst/>
+            <a:cxnLst/>
+            <a:rect l="l" t="t" r="r" b="b"/>
+            <a:pathLst>
+              <a:path w="120000" h="120000" extrusionOk="0">
+                <a:moveTo>
+                  <a:pt x="0" y="0"/>
+                </a:moveTo>
+                <a:lnTo>
+                  <a:pt x="120000" y="0"/>
+                </a:lnTo>
+                <a:lnTo>
+                  <a:pt x="120000" y="120000"/>
+                </a:lnTo>
+                <a:lnTo>
+                  <a:pt x="0" y="120000"/>
+                </a:lnTo>
+                <a:close/>
+              </a:path>
+            </a:pathLst>
+          </a:custGeom>
+        </p:spPr>
+      </p:sp>
+    </p:spTree>
+    <p:extLst>
+      <p:ext uri="{BB962C8B-B14F-4D97-AF65-F5344CB8AC3E}">
+        <p14:creationId xmlns:p14="http://schemas.microsoft.com/office/powerpoint/2010/main" val="1210064211"/>
+      </p:ext>
+    </p:extLst>
+  </p:cSld>
+  <p:clrMapOvr>
+    <a:masterClrMapping/>
+  </p:clrMapOvr>
+</p:notes>
+</file>
+
+<file path=ppt/notesSlides/notesSlide12.xml><?xml version="1.0" encoding="utf-8"?>
 <p:notes xmlns:a="http://schemas.openxmlformats.org/drawingml/2006/main" xmlns:r="http://schemas.openxmlformats.org/officeDocument/2006/relationships" xmlns:p="http://schemas.openxmlformats.org/presentationml/2006/main" showMasterSp="0" showMasterPhAnim="0">
   <p:cSld>
     <p:spTree>
@@ -14091,6 +14219,950 @@
         <p:cNvPr id="1" name="Shape 117">
           <a:extLst>
             <a:ext uri="{FF2B5EF4-FFF2-40B4-BE49-F238E27FC236}">
+              <a16:creationId xmlns:a16="http://schemas.microsoft.com/office/drawing/2014/main" id="{57FB043B-EBC7-8B7E-EA40-92B11C72E45E}"/>
+            </a:ext>
+          </a:extLst>
+        </p:cNvPr>
+        <p:cNvGrpSpPr/>
+        <p:nvPr/>
+      </p:nvGrpSpPr>
+      <p:grpSpPr>
+        <a:xfrm>
+          <a:off x="0" y="0"/>
+          <a:ext cx="0" cy="0"/>
+          <a:chOff x="0" y="0"/>
+          <a:chExt cx="0" cy="0"/>
+        </a:xfrm>
+      </p:grpSpPr>
+      <p:sp>
+        <p:nvSpPr>
+          <p:cNvPr id="118" name="Google Shape;118;g3b05c13414c_0_0">
+            <a:extLst>
+              <a:ext uri="{FF2B5EF4-FFF2-40B4-BE49-F238E27FC236}">
+                <a16:creationId xmlns:a16="http://schemas.microsoft.com/office/drawing/2014/main" id="{58888D3D-0C78-5543-6408-EBB726467D42}"/>
+              </a:ext>
+            </a:extLst>
+          </p:cNvPr>
+          <p:cNvSpPr txBox="1"/>
+          <p:nvPr/>
+        </p:nvSpPr>
+        <p:spPr>
+          <a:xfrm>
+            <a:off x="91440" y="-11209"/>
+            <a:ext cx="11966700" cy="1325700"/>
+          </a:xfrm>
+          <a:prstGeom prst="rect">
+            <a:avLst/>
+          </a:prstGeom>
+          <a:noFill/>
+          <a:ln>
+            <a:noFill/>
+          </a:ln>
+        </p:spPr>
+        <p:txBody>
+          <a:bodyPr spcFirstLastPara="1" wrap="square" lIns="91425" tIns="45700" rIns="91425" bIns="45700" anchor="ctr" anchorCtr="0">
+            <a:normAutofit/>
+          </a:bodyPr>
+          <a:lstStyle/>
+          <a:p>
+            <a:pPr marL="0" marR="0" lvl="0" indent="0" algn="l" rtl="0">
+              <a:lnSpc>
+                <a:spcPct val="90000"/>
+              </a:lnSpc>
+              <a:spcBef>
+                <a:spcPts val="0"/>
+              </a:spcBef>
+              <a:spcAft>
+                <a:spcPts val="0"/>
+              </a:spcAft>
+              <a:buNone/>
+            </a:pPr>
+            <a:r>
+              <a:rPr lang="es-ES" sz="4000" dirty="0" err="1">
+                <a:solidFill>
+                  <a:srgbClr val="BF4F14"/>
+                </a:solidFill>
+                <a:latin typeface="Open Sans"/>
+                <a:ea typeface="Open Sans"/>
+                <a:cs typeface="Open Sans"/>
+                <a:sym typeface="Open Sans"/>
+              </a:rPr>
+              <a:t>Our</a:t>
+            </a:r>
+            <a:r>
+              <a:rPr lang="es-ES" sz="4000" dirty="0">
+                <a:solidFill>
+                  <a:srgbClr val="BF4F14"/>
+                </a:solidFill>
+                <a:latin typeface="Open Sans"/>
+                <a:ea typeface="Open Sans"/>
+                <a:cs typeface="Open Sans"/>
+                <a:sym typeface="Open Sans"/>
+              </a:rPr>
+              <a:t> final </a:t>
+            </a:r>
+            <a:r>
+              <a:rPr lang="es-ES" sz="4000" dirty="0" err="1">
+                <a:solidFill>
+                  <a:srgbClr val="BF4F14"/>
+                </a:solidFill>
+                <a:latin typeface="Open Sans"/>
+                <a:ea typeface="Open Sans"/>
+                <a:cs typeface="Open Sans"/>
+                <a:sym typeface="Open Sans"/>
+              </a:rPr>
+              <a:t>deliverable</a:t>
+            </a:r>
+            <a:endParaRPr sz="3600" b="0" i="0" u="none" strike="noStrike" cap="none" dirty="0">
+              <a:solidFill>
+                <a:srgbClr val="BF4F14"/>
+              </a:solidFill>
+              <a:latin typeface="Open Sans"/>
+              <a:ea typeface="Open Sans"/>
+              <a:cs typeface="Open Sans"/>
+              <a:sym typeface="Open Sans"/>
+            </a:endParaRPr>
+          </a:p>
+        </p:txBody>
+      </p:sp>
+      <p:sp>
+        <p:nvSpPr>
+          <p:cNvPr id="4" name="Google Shape;130;g3b05c13414c_0_27">
+            <a:extLst>
+              <a:ext uri="{FF2B5EF4-FFF2-40B4-BE49-F238E27FC236}">
+                <a16:creationId xmlns:a16="http://schemas.microsoft.com/office/drawing/2014/main" id="{28912CE5-1395-5280-21D0-64B1BCEB5D95}"/>
+              </a:ext>
+            </a:extLst>
+          </p:cNvPr>
+          <p:cNvSpPr txBox="1"/>
+          <p:nvPr/>
+        </p:nvSpPr>
+        <p:spPr>
+          <a:xfrm>
+            <a:off x="0" y="1149050"/>
+            <a:ext cx="12192000" cy="1098732"/>
+          </a:xfrm>
+          <a:prstGeom prst="rect">
+            <a:avLst/>
+          </a:prstGeom>
+          <a:noFill/>
+          <a:ln>
+            <a:noFill/>
+          </a:ln>
+        </p:spPr>
+        <p:txBody>
+          <a:bodyPr spcFirstLastPara="1" wrap="square" lIns="91425" tIns="91425" rIns="91425" bIns="91425" anchor="t" anchorCtr="0">
+            <a:spAutoFit/>
+          </a:bodyPr>
+          <a:lstStyle/>
+          <a:p>
+            <a:pPr marL="127000" lvl="0" indent="0" algn="l" rtl="0">
+              <a:lnSpc>
+                <a:spcPct val="90000"/>
+              </a:lnSpc>
+              <a:spcBef>
+                <a:spcPts val="0"/>
+              </a:spcBef>
+              <a:spcAft>
+                <a:spcPts val="0"/>
+              </a:spcAft>
+              <a:buNone/>
+            </a:pPr>
+            <a:r>
+              <a:rPr lang="es-ES" sz="2200" dirty="0" err="1">
+                <a:solidFill>
+                  <a:schemeClr val="dk1"/>
+                </a:solidFill>
+                <a:latin typeface="Open Sans Medium"/>
+                <a:ea typeface="Open Sans Medium"/>
+                <a:cs typeface="Open Sans Medium"/>
+                <a:sym typeface="Open Sans Medium"/>
+              </a:rPr>
+              <a:t>We</a:t>
+            </a:r>
+            <a:r>
+              <a:rPr lang="es-ES" sz="2200" dirty="0">
+                <a:solidFill>
+                  <a:schemeClr val="dk1"/>
+                </a:solidFill>
+                <a:latin typeface="Open Sans Medium"/>
+                <a:ea typeface="Open Sans Medium"/>
+                <a:cs typeface="Open Sans Medium"/>
+                <a:sym typeface="Open Sans Medium"/>
+              </a:rPr>
+              <a:t> </a:t>
+            </a:r>
+            <a:r>
+              <a:rPr lang="es-ES" sz="2200" dirty="0" err="1">
+                <a:solidFill>
+                  <a:schemeClr val="dk1"/>
+                </a:solidFill>
+                <a:latin typeface="Open Sans Medium"/>
+                <a:ea typeface="Open Sans Medium"/>
+                <a:cs typeface="Open Sans Medium"/>
+                <a:sym typeface="Open Sans Medium"/>
+              </a:rPr>
+              <a:t>have</a:t>
+            </a:r>
+            <a:r>
+              <a:rPr lang="es-ES" sz="2200" dirty="0">
+                <a:solidFill>
+                  <a:schemeClr val="dk1"/>
+                </a:solidFill>
+                <a:latin typeface="Open Sans Medium"/>
+                <a:ea typeface="Open Sans Medium"/>
+                <a:cs typeface="Open Sans Medium"/>
+                <a:sym typeface="Open Sans Medium"/>
+              </a:rPr>
+              <a:t> </a:t>
+            </a:r>
+            <a:r>
+              <a:rPr lang="es-ES" sz="2200" dirty="0" err="1">
+                <a:solidFill>
+                  <a:schemeClr val="dk1"/>
+                </a:solidFill>
+                <a:latin typeface="Open Sans Medium"/>
+                <a:ea typeface="Open Sans Medium"/>
+                <a:cs typeface="Open Sans Medium"/>
+                <a:sym typeface="Open Sans Medium"/>
+              </a:rPr>
+              <a:t>created</a:t>
+            </a:r>
+            <a:r>
+              <a:rPr lang="es-ES" sz="2200" dirty="0">
+                <a:solidFill>
+                  <a:schemeClr val="dk1"/>
+                </a:solidFill>
+                <a:latin typeface="Open Sans Medium"/>
+                <a:ea typeface="Open Sans Medium"/>
+                <a:cs typeface="Open Sans Medium"/>
+                <a:sym typeface="Open Sans Medium"/>
+              </a:rPr>
+              <a:t> a </a:t>
+            </a:r>
+            <a:r>
+              <a:rPr lang="es-ES" sz="2200" dirty="0" err="1">
+                <a:solidFill>
+                  <a:schemeClr val="dk1"/>
+                </a:solidFill>
+                <a:effectLst>
+                  <a:outerShdw blurRad="38100" dist="38100" dir="2700000" algn="tl">
+                    <a:srgbClr val="000000">
+                      <a:alpha val="43137"/>
+                    </a:srgbClr>
+                  </a:outerShdw>
+                </a:effectLst>
+                <a:latin typeface="Open Sans Medium"/>
+                <a:ea typeface="Open Sans Medium"/>
+                <a:cs typeface="Open Sans Medium"/>
+                <a:sym typeface="Open Sans Medium"/>
+              </a:rPr>
+              <a:t>library</a:t>
+            </a:r>
+            <a:r>
+              <a:rPr lang="es-ES" sz="2200" dirty="0">
+                <a:solidFill>
+                  <a:schemeClr val="dk1"/>
+                </a:solidFill>
+                <a:effectLst>
+                  <a:outerShdw blurRad="38100" dist="38100" dir="2700000" algn="tl">
+                    <a:srgbClr val="000000">
+                      <a:alpha val="43137"/>
+                    </a:srgbClr>
+                  </a:outerShdw>
+                </a:effectLst>
+                <a:latin typeface="Open Sans Medium"/>
+                <a:ea typeface="Open Sans Medium"/>
+                <a:cs typeface="Open Sans Medium"/>
+                <a:sym typeface="Open Sans Medium"/>
+              </a:rPr>
+              <a:t> </a:t>
+            </a:r>
+            <a:r>
+              <a:rPr lang="es-ES" sz="2200" dirty="0" err="1">
+                <a:solidFill>
+                  <a:schemeClr val="dk1"/>
+                </a:solidFill>
+                <a:effectLst>
+                  <a:outerShdw blurRad="38100" dist="38100" dir="2700000" algn="tl">
+                    <a:srgbClr val="000000">
+                      <a:alpha val="43137"/>
+                    </a:srgbClr>
+                  </a:outerShdw>
+                </a:effectLst>
+                <a:latin typeface="Open Sans Medium"/>
+                <a:ea typeface="Open Sans Medium"/>
+                <a:cs typeface="Open Sans Medium"/>
+                <a:sym typeface="Open Sans Medium"/>
+              </a:rPr>
+              <a:t>implementing</a:t>
+            </a:r>
+            <a:r>
+              <a:rPr lang="es-ES" sz="2200" dirty="0">
+                <a:solidFill>
+                  <a:schemeClr val="dk1"/>
+                </a:solidFill>
+                <a:effectLst>
+                  <a:outerShdw blurRad="38100" dist="38100" dir="2700000" algn="tl">
+                    <a:srgbClr val="000000">
+                      <a:alpha val="43137"/>
+                    </a:srgbClr>
+                  </a:outerShdw>
+                </a:effectLst>
+                <a:latin typeface="Open Sans Medium"/>
+                <a:ea typeface="Open Sans Medium"/>
+                <a:cs typeface="Open Sans Medium"/>
+                <a:sym typeface="Open Sans Medium"/>
+              </a:rPr>
+              <a:t> and </a:t>
+            </a:r>
+            <a:r>
+              <a:rPr lang="es-ES" sz="2200" dirty="0" err="1">
+                <a:solidFill>
+                  <a:schemeClr val="dk1"/>
+                </a:solidFill>
+                <a:effectLst>
+                  <a:outerShdw blurRad="38100" dist="38100" dir="2700000" algn="tl">
+                    <a:srgbClr val="000000">
+                      <a:alpha val="43137"/>
+                    </a:srgbClr>
+                  </a:outerShdw>
+                </a:effectLst>
+                <a:latin typeface="Open Sans Medium"/>
+                <a:ea typeface="Open Sans Medium"/>
+                <a:cs typeface="Open Sans Medium"/>
+                <a:sym typeface="Open Sans Medium"/>
+              </a:rPr>
+              <a:t>applying</a:t>
+            </a:r>
+            <a:r>
+              <a:rPr lang="es-ES" sz="2200" dirty="0">
+                <a:solidFill>
+                  <a:schemeClr val="dk1"/>
+                </a:solidFill>
+                <a:effectLst>
+                  <a:outerShdw blurRad="38100" dist="38100" dir="2700000" algn="tl">
+                    <a:srgbClr val="000000">
+                      <a:alpha val="43137"/>
+                    </a:srgbClr>
+                  </a:outerShdw>
+                </a:effectLst>
+                <a:latin typeface="Open Sans Medium"/>
+                <a:ea typeface="Open Sans Medium"/>
+                <a:cs typeface="Open Sans Medium"/>
+                <a:sym typeface="Open Sans Medium"/>
+              </a:rPr>
+              <a:t> </a:t>
+            </a:r>
+            <a:r>
+              <a:rPr lang="es-ES" sz="2200" dirty="0" err="1">
+                <a:solidFill>
+                  <a:schemeClr val="dk1"/>
+                </a:solidFill>
+                <a:effectLst>
+                  <a:outerShdw blurRad="38100" dist="38100" dir="2700000" algn="tl">
+                    <a:srgbClr val="000000">
+                      <a:alpha val="43137"/>
+                    </a:srgbClr>
+                  </a:outerShdw>
+                </a:effectLst>
+                <a:latin typeface="Open Sans Medium"/>
+                <a:ea typeface="Open Sans Medium"/>
+                <a:cs typeface="Open Sans Medium"/>
+                <a:sym typeface="Open Sans Medium"/>
+              </a:rPr>
+              <a:t>our</a:t>
+            </a:r>
+            <a:r>
+              <a:rPr lang="es-ES" sz="2200" dirty="0">
+                <a:solidFill>
+                  <a:schemeClr val="dk1"/>
+                </a:solidFill>
+                <a:effectLst>
+                  <a:outerShdw blurRad="38100" dist="38100" dir="2700000" algn="tl">
+                    <a:srgbClr val="000000">
+                      <a:alpha val="43137"/>
+                    </a:srgbClr>
+                  </a:outerShdw>
+                </a:effectLst>
+                <a:latin typeface="Open Sans Medium"/>
+                <a:ea typeface="Open Sans Medium"/>
+                <a:cs typeface="Open Sans Medium"/>
+                <a:sym typeface="Open Sans Medium"/>
+              </a:rPr>
+              <a:t> </a:t>
+            </a:r>
+            <a:r>
+              <a:rPr lang="es-ES" sz="2200" dirty="0" err="1">
+                <a:solidFill>
+                  <a:schemeClr val="dk1"/>
+                </a:solidFill>
+                <a:effectLst>
+                  <a:outerShdw blurRad="38100" dist="38100" dir="2700000" algn="tl">
+                    <a:srgbClr val="000000">
+                      <a:alpha val="43137"/>
+                    </a:srgbClr>
+                  </a:outerShdw>
+                </a:effectLst>
+                <a:latin typeface="Open Sans Medium"/>
+                <a:ea typeface="Open Sans Medium"/>
+                <a:cs typeface="Open Sans Medium"/>
+                <a:sym typeface="Open Sans Medium"/>
+              </a:rPr>
+              <a:t>algorithm</a:t>
+            </a:r>
+            <a:r>
+              <a:rPr lang="es-ES" sz="2200" dirty="0">
+                <a:solidFill>
+                  <a:schemeClr val="dk1"/>
+                </a:solidFill>
+                <a:latin typeface="Open Sans Medium"/>
+                <a:ea typeface="Open Sans Medium"/>
+                <a:cs typeface="Open Sans Medium"/>
+                <a:sym typeface="Open Sans Medium"/>
+              </a:rPr>
+              <a:t> </a:t>
+            </a:r>
+            <a:r>
+              <a:rPr lang="es-ES" sz="2200" dirty="0" err="1">
+                <a:solidFill>
+                  <a:schemeClr val="dk1"/>
+                </a:solidFill>
+                <a:latin typeface="Open Sans Medium"/>
+                <a:ea typeface="Open Sans Medium"/>
+                <a:cs typeface="Open Sans Medium"/>
+                <a:sym typeface="Open Sans Medium"/>
+              </a:rPr>
+              <a:t>to</a:t>
+            </a:r>
+            <a:r>
+              <a:rPr lang="es-ES" sz="2200" dirty="0">
+                <a:solidFill>
+                  <a:schemeClr val="dk1"/>
+                </a:solidFill>
+                <a:latin typeface="Open Sans Medium"/>
+                <a:ea typeface="Open Sans Medium"/>
+                <a:cs typeface="Open Sans Medium"/>
+                <a:sym typeface="Open Sans Medium"/>
+              </a:rPr>
+              <a:t> </a:t>
+            </a:r>
+            <a:r>
+              <a:rPr lang="es-ES" sz="2200" dirty="0" err="1">
+                <a:solidFill>
+                  <a:schemeClr val="dk1"/>
+                </a:solidFill>
+                <a:latin typeface="Open Sans Medium"/>
+                <a:ea typeface="Open Sans Medium"/>
+                <a:cs typeface="Open Sans Medium"/>
+                <a:sym typeface="Open Sans Medium"/>
+              </a:rPr>
+              <a:t>the</a:t>
+            </a:r>
+            <a:r>
+              <a:rPr lang="es-ES" sz="2200" dirty="0">
+                <a:solidFill>
+                  <a:schemeClr val="dk1"/>
+                </a:solidFill>
+                <a:latin typeface="Open Sans Medium"/>
+                <a:ea typeface="Open Sans Medium"/>
+                <a:cs typeface="Open Sans Medium"/>
+                <a:sym typeface="Open Sans Medium"/>
+              </a:rPr>
+              <a:t> </a:t>
+            </a:r>
+            <a:r>
+              <a:rPr lang="es-ES" sz="2200" dirty="0" err="1">
+                <a:solidFill>
+                  <a:schemeClr val="dk1"/>
+                </a:solidFill>
+                <a:effectLst>
+                  <a:outerShdw blurRad="38100" dist="38100" dir="2700000" algn="tl">
+                    <a:srgbClr val="000000">
+                      <a:alpha val="43137"/>
+                    </a:srgbClr>
+                  </a:outerShdw>
+                </a:effectLst>
+                <a:latin typeface="Open Sans Medium"/>
+                <a:ea typeface="Open Sans Medium"/>
+                <a:cs typeface="Open Sans Medium"/>
+                <a:sym typeface="Open Sans Medium"/>
+              </a:rPr>
+              <a:t>wind</a:t>
+            </a:r>
+            <a:r>
+              <a:rPr lang="es-ES" sz="2200" dirty="0">
+                <a:solidFill>
+                  <a:schemeClr val="dk1"/>
+                </a:solidFill>
+                <a:effectLst>
+                  <a:outerShdw blurRad="38100" dist="38100" dir="2700000" algn="tl">
+                    <a:srgbClr val="000000">
+                      <a:alpha val="43137"/>
+                    </a:srgbClr>
+                  </a:outerShdw>
+                </a:effectLst>
+                <a:latin typeface="Open Sans Medium"/>
+                <a:ea typeface="Open Sans Medium"/>
+                <a:cs typeface="Open Sans Medium"/>
+                <a:sym typeface="Open Sans Medium"/>
+              </a:rPr>
+              <a:t> </a:t>
+            </a:r>
+            <a:r>
+              <a:rPr lang="es-ES" sz="2200" dirty="0" err="1">
+                <a:solidFill>
+                  <a:schemeClr val="dk1"/>
+                </a:solidFill>
+                <a:effectLst>
+                  <a:outerShdw blurRad="38100" dist="38100" dir="2700000" algn="tl">
+                    <a:srgbClr val="000000">
+                      <a:alpha val="43137"/>
+                    </a:srgbClr>
+                  </a:outerShdw>
+                </a:effectLst>
+                <a:latin typeface="Open Sans Medium"/>
+                <a:ea typeface="Open Sans Medium"/>
+                <a:cs typeface="Open Sans Medium"/>
+                <a:sym typeface="Open Sans Medium"/>
+              </a:rPr>
+              <a:t>farm+battery</a:t>
+            </a:r>
+            <a:r>
+              <a:rPr lang="es-ES" sz="2200" dirty="0">
+                <a:solidFill>
+                  <a:schemeClr val="dk1"/>
+                </a:solidFill>
+                <a:effectLst>
+                  <a:outerShdw blurRad="38100" dist="38100" dir="2700000" algn="tl">
+                    <a:srgbClr val="000000">
+                      <a:alpha val="43137"/>
+                    </a:srgbClr>
+                  </a:outerShdw>
+                </a:effectLst>
+                <a:latin typeface="Open Sans Medium"/>
+                <a:ea typeface="Open Sans Medium"/>
+                <a:cs typeface="Open Sans Medium"/>
+                <a:sym typeface="Open Sans Medium"/>
+              </a:rPr>
+              <a:t> </a:t>
+            </a:r>
+            <a:r>
+              <a:rPr lang="es-ES" sz="2200" dirty="0" err="1">
+                <a:solidFill>
+                  <a:schemeClr val="dk1"/>
+                </a:solidFill>
+                <a:effectLst>
+                  <a:outerShdw blurRad="38100" dist="38100" dir="2700000" algn="tl">
+                    <a:srgbClr val="000000">
+                      <a:alpha val="43137"/>
+                    </a:srgbClr>
+                  </a:outerShdw>
+                </a:effectLst>
+                <a:latin typeface="Open Sans Medium"/>
+                <a:ea typeface="Open Sans Medium"/>
+                <a:cs typeface="Open Sans Medium"/>
+                <a:sym typeface="Open Sans Medium"/>
+              </a:rPr>
+              <a:t>joint</a:t>
+            </a:r>
+            <a:r>
+              <a:rPr lang="es-ES" sz="2200" dirty="0">
+                <a:solidFill>
+                  <a:schemeClr val="dk1"/>
+                </a:solidFill>
+                <a:effectLst>
+                  <a:outerShdw blurRad="38100" dist="38100" dir="2700000" algn="tl">
+                    <a:srgbClr val="000000">
+                      <a:alpha val="43137"/>
+                    </a:srgbClr>
+                  </a:outerShdw>
+                </a:effectLst>
+                <a:latin typeface="Open Sans Medium"/>
+                <a:ea typeface="Open Sans Medium"/>
+                <a:cs typeface="Open Sans Medium"/>
+                <a:sym typeface="Open Sans Medium"/>
+              </a:rPr>
+              <a:t> </a:t>
+            </a:r>
+            <a:r>
+              <a:rPr lang="es-ES" sz="2200" dirty="0" err="1">
+                <a:solidFill>
+                  <a:schemeClr val="dk1"/>
+                </a:solidFill>
+                <a:effectLst>
+                  <a:outerShdw blurRad="38100" dist="38100" dir="2700000" algn="tl">
+                    <a:srgbClr val="000000">
+                      <a:alpha val="43137"/>
+                    </a:srgbClr>
+                  </a:outerShdw>
+                </a:effectLst>
+                <a:latin typeface="Open Sans Medium"/>
+                <a:ea typeface="Open Sans Medium"/>
+                <a:cs typeface="Open Sans Medium"/>
+                <a:sym typeface="Open Sans Medium"/>
+              </a:rPr>
+              <a:t>optimization</a:t>
+            </a:r>
+            <a:r>
+              <a:rPr lang="es-ES" sz="2200" dirty="0">
+                <a:solidFill>
+                  <a:schemeClr val="dk1"/>
+                </a:solidFill>
+                <a:latin typeface="Open Sans Medium"/>
+                <a:ea typeface="Open Sans Medium"/>
+                <a:cs typeface="Open Sans Medium"/>
+                <a:sym typeface="Open Sans Medium"/>
+              </a:rPr>
+              <a:t>. </a:t>
+            </a:r>
+            <a:r>
+              <a:rPr lang="es-ES" sz="2200" dirty="0" err="1">
+                <a:solidFill>
+                  <a:schemeClr val="dk1"/>
+                </a:solidFill>
+                <a:latin typeface="Open Sans Medium"/>
+                <a:ea typeface="Open Sans Medium"/>
+                <a:cs typeface="Open Sans Medium"/>
+                <a:sym typeface="Open Sans Medium"/>
+              </a:rPr>
+              <a:t>The</a:t>
+            </a:r>
+            <a:r>
+              <a:rPr lang="es-ES" sz="2200" dirty="0">
+                <a:solidFill>
+                  <a:schemeClr val="dk1"/>
+                </a:solidFill>
+                <a:latin typeface="Open Sans Medium"/>
+                <a:ea typeface="Open Sans Medium"/>
+                <a:cs typeface="Open Sans Medium"/>
+                <a:sym typeface="Open Sans Medium"/>
+              </a:rPr>
+              <a:t> </a:t>
+            </a:r>
+            <a:r>
+              <a:rPr lang="es-ES" sz="2200" dirty="0" err="1">
+                <a:solidFill>
+                  <a:schemeClr val="dk1"/>
+                </a:solidFill>
+                <a:latin typeface="Open Sans Medium"/>
+                <a:ea typeface="Open Sans Medium"/>
+                <a:cs typeface="Open Sans Medium"/>
+                <a:sym typeface="Open Sans Medium"/>
+              </a:rPr>
+              <a:t>library</a:t>
+            </a:r>
+            <a:r>
+              <a:rPr lang="es-ES" sz="2200" dirty="0">
+                <a:solidFill>
+                  <a:schemeClr val="dk1"/>
+                </a:solidFill>
+                <a:latin typeface="Open Sans Medium"/>
+                <a:ea typeface="Open Sans Medium"/>
+                <a:cs typeface="Open Sans Medium"/>
+                <a:sym typeface="Open Sans Medium"/>
+              </a:rPr>
+              <a:t> can be </a:t>
+            </a:r>
+            <a:r>
+              <a:rPr lang="es-ES" sz="2200" dirty="0" err="1">
+                <a:solidFill>
+                  <a:schemeClr val="dk1"/>
+                </a:solidFill>
+                <a:latin typeface="Open Sans Medium"/>
+                <a:ea typeface="Open Sans Medium"/>
+                <a:cs typeface="Open Sans Medium"/>
+                <a:sym typeface="Open Sans Medium"/>
+              </a:rPr>
+              <a:t>used</a:t>
+            </a:r>
+            <a:r>
+              <a:rPr lang="es-ES" sz="2200" dirty="0">
+                <a:solidFill>
+                  <a:schemeClr val="dk1"/>
+                </a:solidFill>
+                <a:latin typeface="Open Sans Medium"/>
+                <a:ea typeface="Open Sans Medium"/>
+                <a:cs typeface="Open Sans Medium"/>
+                <a:sym typeface="Open Sans Medium"/>
+              </a:rPr>
+              <a:t> </a:t>
+            </a:r>
+            <a:r>
+              <a:rPr lang="es-ES" sz="2200" dirty="0" err="1">
+                <a:solidFill>
+                  <a:schemeClr val="dk1"/>
+                </a:solidFill>
+                <a:latin typeface="Open Sans Medium"/>
+                <a:ea typeface="Open Sans Medium"/>
+                <a:cs typeface="Open Sans Medium"/>
+                <a:sym typeface="Open Sans Medium"/>
+              </a:rPr>
+              <a:t>to</a:t>
+            </a:r>
+            <a:r>
+              <a:rPr lang="es-ES" sz="2200" dirty="0">
+                <a:solidFill>
+                  <a:schemeClr val="dk1"/>
+                </a:solidFill>
+                <a:latin typeface="Open Sans Medium"/>
+                <a:ea typeface="Open Sans Medium"/>
+                <a:cs typeface="Open Sans Medium"/>
+                <a:sym typeface="Open Sans Medium"/>
+              </a:rPr>
+              <a:t> reproduce </a:t>
+            </a:r>
+            <a:r>
+              <a:rPr lang="es-ES" sz="2200" dirty="0" err="1">
+                <a:solidFill>
+                  <a:schemeClr val="dk1"/>
+                </a:solidFill>
+                <a:latin typeface="Open Sans Medium"/>
+                <a:ea typeface="Open Sans Medium"/>
+                <a:cs typeface="Open Sans Medium"/>
+                <a:sym typeface="Open Sans Medium"/>
+              </a:rPr>
+              <a:t>our</a:t>
+            </a:r>
+            <a:r>
+              <a:rPr lang="es-ES" sz="2200" dirty="0">
+                <a:solidFill>
+                  <a:schemeClr val="dk1"/>
+                </a:solidFill>
+                <a:latin typeface="Open Sans Medium"/>
+                <a:ea typeface="Open Sans Medium"/>
+                <a:cs typeface="Open Sans Medium"/>
+                <a:sym typeface="Open Sans Medium"/>
+              </a:rPr>
+              <a:t> </a:t>
+            </a:r>
+            <a:r>
+              <a:rPr lang="es-ES" sz="2200" dirty="0" err="1">
+                <a:solidFill>
+                  <a:schemeClr val="dk1"/>
+                </a:solidFill>
+                <a:latin typeface="Open Sans Medium"/>
+                <a:ea typeface="Open Sans Medium"/>
+                <a:cs typeface="Open Sans Medium"/>
+                <a:sym typeface="Open Sans Medium"/>
+              </a:rPr>
+              <a:t>results</a:t>
+            </a:r>
+            <a:r>
+              <a:rPr lang="es-ES" sz="2200" dirty="0">
+                <a:solidFill>
+                  <a:schemeClr val="dk1"/>
+                </a:solidFill>
+                <a:latin typeface="Open Sans Medium"/>
+                <a:ea typeface="Open Sans Medium"/>
+                <a:cs typeface="Open Sans Medium"/>
+                <a:sym typeface="Open Sans Medium"/>
+              </a:rPr>
+              <a:t> </a:t>
+            </a:r>
+            <a:r>
+              <a:rPr lang="es-ES" sz="2200" dirty="0" err="1">
+                <a:solidFill>
+                  <a:schemeClr val="dk1"/>
+                </a:solidFill>
+                <a:latin typeface="Open Sans Medium"/>
+                <a:ea typeface="Open Sans Medium"/>
+                <a:cs typeface="Open Sans Medium"/>
+                <a:sym typeface="Open Sans Medium"/>
+              </a:rPr>
+              <a:t>following</a:t>
+            </a:r>
+            <a:r>
+              <a:rPr lang="es-ES" sz="2200" dirty="0">
+                <a:solidFill>
+                  <a:schemeClr val="dk1"/>
+                </a:solidFill>
+                <a:latin typeface="Open Sans Medium"/>
+                <a:ea typeface="Open Sans Medium"/>
+                <a:cs typeface="Open Sans Medium"/>
+                <a:sym typeface="Open Sans Medium"/>
+              </a:rPr>
+              <a:t> </a:t>
+            </a:r>
+            <a:r>
+              <a:rPr lang="es-ES" sz="2200" dirty="0" err="1">
+                <a:solidFill>
+                  <a:schemeClr val="dk1"/>
+                </a:solidFill>
+                <a:latin typeface="Open Sans Medium"/>
+                <a:ea typeface="Open Sans Medium"/>
+                <a:cs typeface="Open Sans Medium"/>
+                <a:sym typeface="Open Sans Medium"/>
+              </a:rPr>
+              <a:t>the</a:t>
+            </a:r>
+            <a:r>
+              <a:rPr lang="es-ES" sz="2200" dirty="0">
+                <a:solidFill>
+                  <a:schemeClr val="dk1"/>
+                </a:solidFill>
+                <a:latin typeface="Open Sans Medium"/>
+                <a:ea typeface="Open Sans Medium"/>
+                <a:cs typeface="Open Sans Medium"/>
+                <a:sym typeface="Open Sans Medium"/>
+              </a:rPr>
+              <a:t> </a:t>
+            </a:r>
+            <a:r>
+              <a:rPr lang="es-ES" sz="2200" dirty="0" err="1">
+                <a:solidFill>
+                  <a:schemeClr val="dk1"/>
+                </a:solidFill>
+                <a:effectLst>
+                  <a:outerShdw blurRad="38100" dist="38100" dir="2700000" algn="tl">
+                    <a:srgbClr val="000000">
+                      <a:alpha val="43137"/>
+                    </a:srgbClr>
+                  </a:outerShdw>
+                </a:effectLst>
+                <a:latin typeface="Open Sans Medium"/>
+                <a:ea typeface="Open Sans Medium"/>
+                <a:cs typeface="Open Sans Medium"/>
+                <a:sym typeface="Open Sans Medium"/>
+              </a:rPr>
+              <a:t>self-contained</a:t>
+            </a:r>
+            <a:r>
+              <a:rPr lang="es-ES" sz="2200" dirty="0">
+                <a:solidFill>
+                  <a:schemeClr val="dk1"/>
+                </a:solidFill>
+                <a:effectLst>
+                  <a:outerShdw blurRad="38100" dist="38100" dir="2700000" algn="tl">
+                    <a:srgbClr val="000000">
+                      <a:alpha val="43137"/>
+                    </a:srgbClr>
+                  </a:outerShdw>
+                </a:effectLst>
+                <a:latin typeface="Open Sans Medium"/>
+                <a:ea typeface="Open Sans Medium"/>
+                <a:cs typeface="Open Sans Medium"/>
+                <a:sym typeface="Open Sans Medium"/>
+              </a:rPr>
+              <a:t> </a:t>
+            </a:r>
+            <a:r>
+              <a:rPr lang="es-ES" sz="2200" dirty="0" err="1">
+                <a:solidFill>
+                  <a:schemeClr val="dk1"/>
+                </a:solidFill>
+                <a:effectLst>
+                  <a:outerShdw blurRad="38100" dist="38100" dir="2700000" algn="tl">
+                    <a:srgbClr val="000000">
+                      <a:alpha val="43137"/>
+                    </a:srgbClr>
+                  </a:outerShdw>
+                </a:effectLst>
+                <a:latin typeface="Open Sans Medium"/>
+                <a:ea typeface="Open Sans Medium"/>
+                <a:cs typeface="Open Sans Medium"/>
+                <a:sym typeface="Open Sans Medium"/>
+              </a:rPr>
+              <a:t>tutorials</a:t>
+            </a:r>
+            <a:r>
+              <a:rPr lang="es-ES" sz="2200" dirty="0">
+                <a:solidFill>
+                  <a:schemeClr val="dk1"/>
+                </a:solidFill>
+                <a:latin typeface="Open Sans Medium"/>
+                <a:ea typeface="Open Sans Medium"/>
+                <a:cs typeface="Open Sans Medium"/>
+                <a:sym typeface="Open Sans Medium"/>
+              </a:rPr>
+              <a:t>.</a:t>
+            </a:r>
+            <a:endParaRPr sz="1300" dirty="0"/>
+          </a:p>
+        </p:txBody>
+      </p:sp>
+      <p:pic>
+        <p:nvPicPr>
+          <p:cNvPr id="8" name="Imagen 7" descr="Interfaz de usuario gráfica, Texto, Aplicación, Word, Correo electrónico&#10;&#10;El contenido generado por IA puede ser incorrecto.">
+            <a:extLst>
+              <a:ext uri="{FF2B5EF4-FFF2-40B4-BE49-F238E27FC236}">
+                <a16:creationId xmlns:a16="http://schemas.microsoft.com/office/drawing/2014/main" id="{FCABD03A-1D8E-0933-6057-168438443F64}"/>
+              </a:ext>
+            </a:extLst>
+          </p:cNvPr>
+          <p:cNvPicPr>
+            <a:picLocks noChangeAspect="1"/>
+          </p:cNvPicPr>
+          <p:nvPr/>
+        </p:nvPicPr>
+        <p:blipFill>
+          <a:blip r:embed="rId3"/>
+          <a:stretch>
+            <a:fillRect/>
+          </a:stretch>
+        </p:blipFill>
+        <p:spPr>
+          <a:xfrm>
+            <a:off x="91440" y="2106268"/>
+            <a:ext cx="6240326" cy="4471214"/>
+          </a:xfrm>
+          <a:prstGeom prst="rect">
+            <a:avLst/>
+          </a:prstGeom>
+        </p:spPr>
+      </p:pic>
+      <p:pic>
+        <p:nvPicPr>
+          <p:cNvPr id="11" name="Imagen 10" descr="Interfaz de usuario gráfica, Texto, Aplicación, Correo electrónico&#10;&#10;El contenido generado por IA puede ser incorrecto.">
+            <a:extLst>
+              <a:ext uri="{FF2B5EF4-FFF2-40B4-BE49-F238E27FC236}">
+                <a16:creationId xmlns:a16="http://schemas.microsoft.com/office/drawing/2014/main" id="{21E3444E-F630-AAE0-7AE0-686F4CCA6FDA}"/>
+              </a:ext>
+            </a:extLst>
+          </p:cNvPr>
+          <p:cNvPicPr>
+            <a:picLocks noChangeAspect="1"/>
+          </p:cNvPicPr>
+          <p:nvPr/>
+        </p:nvPicPr>
+        <p:blipFill>
+          <a:blip r:embed="rId4"/>
+          <a:srcRect r="5295" b="15037"/>
+          <a:stretch>
+            <a:fillRect/>
+          </a:stretch>
+        </p:blipFill>
+        <p:spPr>
+          <a:xfrm>
+            <a:off x="6275240" y="3043314"/>
+            <a:ext cx="5916760" cy="3098736"/>
+          </a:xfrm>
+          <a:prstGeom prst="rect">
+            <a:avLst/>
+          </a:prstGeom>
+        </p:spPr>
+      </p:pic>
+    </p:spTree>
+    <p:extLst>
+      <p:ext uri="{BB962C8B-B14F-4D97-AF65-F5344CB8AC3E}">
+        <p14:creationId xmlns:p14="http://schemas.microsoft.com/office/powerpoint/2010/main" val="528242306"/>
+      </p:ext>
+    </p:extLst>
+  </p:cSld>
+  <p:clrMapOvr>
+    <a:masterClrMapping/>
+  </p:clrMapOvr>
+</p:sld>
+</file>
+
+<file path=ppt/slides/slide12.xml><?xml version="1.0" encoding="utf-8"?>
+<p:sld xmlns:a="http://schemas.openxmlformats.org/drawingml/2006/main" xmlns:r="http://schemas.openxmlformats.org/officeDocument/2006/relationships" xmlns:p="http://schemas.openxmlformats.org/presentationml/2006/main">
+  <p:cSld>
+    <p:spTree>
+      <p:nvGrpSpPr>
+        <p:cNvPr id="1" name="Shape 117">
+          <a:extLst>
+            <a:ext uri="{FF2B5EF4-FFF2-40B4-BE49-F238E27FC236}">
               <a16:creationId xmlns:a16="http://schemas.microsoft.com/office/drawing/2014/main" id="{8952FD53-4700-1147-B5BA-F3D9EBBF22C2}"/>
             </a:ext>
           </a:extLst>
@@ -25548,7 +26620,7 @@
         </p:nvSpPr>
         <p:spPr>
           <a:xfrm>
-            <a:off x="306887" y="-47785"/>
+            <a:off x="32567" y="-47785"/>
             <a:ext cx="11966700" cy="1325700"/>
           </a:xfrm>
           <a:prstGeom prst="rect">
@@ -26945,7 +28017,7 @@
         </p:nvSpPr>
         <p:spPr>
           <a:xfrm>
-            <a:off x="306887" y="-47785"/>
+            <a:off x="23423" y="-47785"/>
             <a:ext cx="11966700" cy="1325700"/>
           </a:xfrm>
           <a:prstGeom prst="rect">
@@ -27222,30 +28294,630 @@
               <a:buNone/>
             </a:pPr>
             <a:r>
-              <a:rPr lang="es-ES" sz="2200" b="1">
-                <a:solidFill>
-                  <a:schemeClr val="dk1"/>
-                </a:solidFill>
-                <a:latin typeface="Open Sans Medium"/>
-                <a:ea typeface="Open Sans Medium"/>
-                <a:cs typeface="Open Sans Medium"/>
-                <a:sym typeface="Open Sans Medium"/>
-              </a:rPr>
-              <a:t> More realistic models</a:t>
-            </a:r>
-            <a:r>
-              <a:rPr lang="es-ES" sz="2200">
-                <a:solidFill>
-                  <a:schemeClr val="dk1"/>
-                </a:solidFill>
-                <a:latin typeface="Open Sans Medium"/>
-                <a:ea typeface="Open Sans Medium"/>
-                <a:cs typeface="Open Sans Medium"/>
-                <a:sym typeface="Open Sans Medium"/>
-              </a:rPr>
-              <a:t>: to take into account effects from the wind farm such as the variance of all 13 predictions, which did NOT affect the previous state of the battery</a:t>
-            </a:r>
-            <a:endParaRPr sz="1300"/>
+              <a:rPr lang="es-ES" sz="2200" b="1" dirty="0">
+                <a:solidFill>
+                  <a:schemeClr val="dk1"/>
+                </a:solidFill>
+                <a:latin typeface="Open Sans Medium"/>
+                <a:ea typeface="Open Sans Medium"/>
+                <a:cs typeface="Open Sans Medium"/>
+                <a:sym typeface="Open Sans Medium"/>
+              </a:rPr>
+              <a:t>More </a:t>
+            </a:r>
+            <a:r>
+              <a:rPr lang="es-ES" sz="2200" b="1" dirty="0" err="1">
+                <a:solidFill>
+                  <a:schemeClr val="dk1"/>
+                </a:solidFill>
+                <a:latin typeface="Open Sans Medium"/>
+                <a:ea typeface="Open Sans Medium"/>
+                <a:cs typeface="Open Sans Medium"/>
+                <a:sym typeface="Open Sans Medium"/>
+              </a:rPr>
+              <a:t>realistic</a:t>
+            </a:r>
+            <a:r>
+              <a:rPr lang="es-ES" sz="2200" b="1" dirty="0">
+                <a:solidFill>
+                  <a:schemeClr val="dk1"/>
+                </a:solidFill>
+                <a:latin typeface="Open Sans Medium"/>
+                <a:ea typeface="Open Sans Medium"/>
+                <a:cs typeface="Open Sans Medium"/>
+                <a:sym typeface="Open Sans Medium"/>
+              </a:rPr>
+              <a:t> </a:t>
+            </a:r>
+            <a:r>
+              <a:rPr lang="es-ES" sz="2200" b="1" dirty="0" err="1">
+                <a:solidFill>
+                  <a:schemeClr val="dk1"/>
+                </a:solidFill>
+                <a:latin typeface="Open Sans Medium"/>
+                <a:ea typeface="Open Sans Medium"/>
+                <a:cs typeface="Open Sans Medium"/>
+                <a:sym typeface="Open Sans Medium"/>
+              </a:rPr>
+              <a:t>models</a:t>
+            </a:r>
+            <a:r>
+              <a:rPr lang="es-ES" sz="2200" dirty="0">
+                <a:solidFill>
+                  <a:schemeClr val="dk1"/>
+                </a:solidFill>
+                <a:latin typeface="Open Sans Medium"/>
+                <a:ea typeface="Open Sans Medium"/>
+                <a:cs typeface="Open Sans Medium"/>
+                <a:sym typeface="Open Sans Medium"/>
+              </a:rPr>
+              <a:t>: </a:t>
+            </a:r>
+            <a:r>
+              <a:rPr lang="es-ES" sz="2200" dirty="0" err="1">
+                <a:solidFill>
+                  <a:schemeClr val="dk1"/>
+                </a:solidFill>
+                <a:latin typeface="Open Sans Medium"/>
+                <a:ea typeface="Open Sans Medium"/>
+                <a:cs typeface="Open Sans Medium"/>
+                <a:sym typeface="Open Sans Medium"/>
+              </a:rPr>
+              <a:t>to</a:t>
+            </a:r>
+            <a:r>
+              <a:rPr lang="es-ES" sz="2200" dirty="0">
+                <a:solidFill>
+                  <a:schemeClr val="dk1"/>
+                </a:solidFill>
+                <a:latin typeface="Open Sans Medium"/>
+                <a:ea typeface="Open Sans Medium"/>
+                <a:cs typeface="Open Sans Medium"/>
+                <a:sym typeface="Open Sans Medium"/>
+              </a:rPr>
+              <a:t> </a:t>
+            </a:r>
+            <a:r>
+              <a:rPr lang="es-ES" sz="2200" dirty="0" err="1">
+                <a:solidFill>
+                  <a:schemeClr val="dk1"/>
+                </a:solidFill>
+                <a:latin typeface="Open Sans Medium"/>
+                <a:ea typeface="Open Sans Medium"/>
+                <a:cs typeface="Open Sans Medium"/>
+                <a:sym typeface="Open Sans Medium"/>
+              </a:rPr>
+              <a:t>take</a:t>
+            </a:r>
+            <a:r>
+              <a:rPr lang="es-ES" sz="2200" dirty="0">
+                <a:solidFill>
+                  <a:schemeClr val="dk1"/>
+                </a:solidFill>
+                <a:latin typeface="Open Sans Medium"/>
+                <a:ea typeface="Open Sans Medium"/>
+                <a:cs typeface="Open Sans Medium"/>
+                <a:sym typeface="Open Sans Medium"/>
+              </a:rPr>
+              <a:t> </a:t>
+            </a:r>
+            <a:r>
+              <a:rPr lang="es-ES" sz="2200" dirty="0" err="1">
+                <a:solidFill>
+                  <a:schemeClr val="dk1"/>
+                </a:solidFill>
+                <a:latin typeface="Open Sans Medium"/>
+                <a:ea typeface="Open Sans Medium"/>
+                <a:cs typeface="Open Sans Medium"/>
+                <a:sym typeface="Open Sans Medium"/>
+              </a:rPr>
+              <a:t>into</a:t>
+            </a:r>
+            <a:r>
+              <a:rPr lang="es-ES" sz="2200" dirty="0">
+                <a:solidFill>
+                  <a:schemeClr val="dk1"/>
+                </a:solidFill>
+                <a:latin typeface="Open Sans Medium"/>
+                <a:ea typeface="Open Sans Medium"/>
+                <a:cs typeface="Open Sans Medium"/>
+                <a:sym typeface="Open Sans Medium"/>
+              </a:rPr>
+              <a:t> </a:t>
+            </a:r>
+            <a:r>
+              <a:rPr lang="es-ES" sz="2200" dirty="0" err="1">
+                <a:solidFill>
+                  <a:schemeClr val="dk1"/>
+                </a:solidFill>
+                <a:latin typeface="Open Sans Medium"/>
+                <a:ea typeface="Open Sans Medium"/>
+                <a:cs typeface="Open Sans Medium"/>
+                <a:sym typeface="Open Sans Medium"/>
+              </a:rPr>
+              <a:t>account</a:t>
+            </a:r>
+            <a:r>
+              <a:rPr lang="es-ES" sz="2200" dirty="0">
+                <a:solidFill>
+                  <a:schemeClr val="dk1"/>
+                </a:solidFill>
+                <a:latin typeface="Open Sans Medium"/>
+                <a:ea typeface="Open Sans Medium"/>
+                <a:cs typeface="Open Sans Medium"/>
+                <a:sym typeface="Open Sans Medium"/>
+              </a:rPr>
+              <a:t> </a:t>
+            </a:r>
+            <a:r>
+              <a:rPr lang="es-ES" sz="2200" dirty="0" err="1">
+                <a:solidFill>
+                  <a:schemeClr val="dk1"/>
+                </a:solidFill>
+                <a:latin typeface="Open Sans Medium"/>
+                <a:ea typeface="Open Sans Medium"/>
+                <a:cs typeface="Open Sans Medium"/>
+                <a:sym typeface="Open Sans Medium"/>
+              </a:rPr>
+              <a:t>effects</a:t>
+            </a:r>
+            <a:r>
+              <a:rPr lang="es-ES" sz="2200" dirty="0">
+                <a:solidFill>
+                  <a:schemeClr val="dk1"/>
+                </a:solidFill>
+                <a:latin typeface="Open Sans Medium"/>
+                <a:ea typeface="Open Sans Medium"/>
+                <a:cs typeface="Open Sans Medium"/>
+                <a:sym typeface="Open Sans Medium"/>
+              </a:rPr>
+              <a:t> </a:t>
+            </a:r>
+            <a:r>
+              <a:rPr lang="es-ES" sz="2200" dirty="0" err="1">
+                <a:solidFill>
+                  <a:schemeClr val="dk1"/>
+                </a:solidFill>
+                <a:latin typeface="Open Sans Medium"/>
+                <a:ea typeface="Open Sans Medium"/>
+                <a:cs typeface="Open Sans Medium"/>
+                <a:sym typeface="Open Sans Medium"/>
+              </a:rPr>
+              <a:t>from</a:t>
+            </a:r>
+            <a:r>
+              <a:rPr lang="es-ES" sz="2200" dirty="0">
+                <a:solidFill>
+                  <a:schemeClr val="dk1"/>
+                </a:solidFill>
+                <a:latin typeface="Open Sans Medium"/>
+                <a:ea typeface="Open Sans Medium"/>
+                <a:cs typeface="Open Sans Medium"/>
+                <a:sym typeface="Open Sans Medium"/>
+              </a:rPr>
+              <a:t> </a:t>
+            </a:r>
+            <a:r>
+              <a:rPr lang="es-ES" sz="2200" dirty="0" err="1">
+                <a:solidFill>
+                  <a:schemeClr val="dk1"/>
+                </a:solidFill>
+                <a:latin typeface="Open Sans Medium"/>
+                <a:ea typeface="Open Sans Medium"/>
+                <a:cs typeface="Open Sans Medium"/>
+                <a:sym typeface="Open Sans Medium"/>
+              </a:rPr>
+              <a:t>the</a:t>
+            </a:r>
+            <a:r>
+              <a:rPr lang="es-ES" sz="2200" dirty="0">
+                <a:solidFill>
+                  <a:schemeClr val="dk1"/>
+                </a:solidFill>
+                <a:latin typeface="Open Sans Medium"/>
+                <a:ea typeface="Open Sans Medium"/>
+                <a:cs typeface="Open Sans Medium"/>
+                <a:sym typeface="Open Sans Medium"/>
+              </a:rPr>
+              <a:t> </a:t>
+            </a:r>
+            <a:r>
+              <a:rPr lang="es-ES" sz="2200" dirty="0" err="1">
+                <a:solidFill>
+                  <a:schemeClr val="dk1"/>
+                </a:solidFill>
+                <a:latin typeface="Open Sans Medium"/>
+                <a:ea typeface="Open Sans Medium"/>
+                <a:cs typeface="Open Sans Medium"/>
+                <a:sym typeface="Open Sans Medium"/>
+              </a:rPr>
+              <a:t>wind</a:t>
+            </a:r>
+            <a:r>
+              <a:rPr lang="es-ES" sz="2200" dirty="0">
+                <a:solidFill>
+                  <a:schemeClr val="dk1"/>
+                </a:solidFill>
+                <a:latin typeface="Open Sans Medium"/>
+                <a:ea typeface="Open Sans Medium"/>
+                <a:cs typeface="Open Sans Medium"/>
+                <a:sym typeface="Open Sans Medium"/>
+              </a:rPr>
+              <a:t> </a:t>
+            </a:r>
+            <a:r>
+              <a:rPr lang="es-ES" sz="2200" dirty="0" err="1">
+                <a:solidFill>
+                  <a:schemeClr val="dk1"/>
+                </a:solidFill>
+                <a:latin typeface="Open Sans Medium"/>
+                <a:ea typeface="Open Sans Medium"/>
+                <a:cs typeface="Open Sans Medium"/>
+                <a:sym typeface="Open Sans Medium"/>
+              </a:rPr>
+              <a:t>farm</a:t>
+            </a:r>
+            <a:r>
+              <a:rPr lang="es-ES" sz="2200" dirty="0">
+                <a:solidFill>
+                  <a:schemeClr val="dk1"/>
+                </a:solidFill>
+                <a:latin typeface="Open Sans Medium"/>
+                <a:ea typeface="Open Sans Medium"/>
+                <a:cs typeface="Open Sans Medium"/>
+                <a:sym typeface="Open Sans Medium"/>
+              </a:rPr>
+              <a:t> </a:t>
+            </a:r>
+            <a:r>
+              <a:rPr lang="es-ES" sz="2200" dirty="0" err="1">
+                <a:solidFill>
+                  <a:schemeClr val="dk1"/>
+                </a:solidFill>
+                <a:latin typeface="Open Sans Medium"/>
+                <a:ea typeface="Open Sans Medium"/>
+                <a:cs typeface="Open Sans Medium"/>
+                <a:sym typeface="Open Sans Medium"/>
+              </a:rPr>
+              <a:t>such</a:t>
+            </a:r>
+            <a:r>
+              <a:rPr lang="es-ES" sz="2200" dirty="0">
+                <a:solidFill>
+                  <a:schemeClr val="dk1"/>
+                </a:solidFill>
+                <a:latin typeface="Open Sans Medium"/>
+                <a:ea typeface="Open Sans Medium"/>
+                <a:cs typeface="Open Sans Medium"/>
+                <a:sym typeface="Open Sans Medium"/>
+              </a:rPr>
+              <a:t> as </a:t>
+            </a:r>
+            <a:r>
+              <a:rPr lang="es-ES" sz="2200" dirty="0" err="1">
+                <a:solidFill>
+                  <a:schemeClr val="dk1"/>
+                </a:solidFill>
+                <a:latin typeface="Open Sans Medium"/>
+                <a:ea typeface="Open Sans Medium"/>
+                <a:cs typeface="Open Sans Medium"/>
+                <a:sym typeface="Open Sans Medium"/>
+              </a:rPr>
+              <a:t>the</a:t>
+            </a:r>
+            <a:r>
+              <a:rPr lang="es-ES" sz="2200" dirty="0">
+                <a:solidFill>
+                  <a:schemeClr val="dk1"/>
+                </a:solidFill>
+                <a:latin typeface="Open Sans Medium"/>
+                <a:ea typeface="Open Sans Medium"/>
+                <a:cs typeface="Open Sans Medium"/>
+                <a:sym typeface="Open Sans Medium"/>
+              </a:rPr>
+              <a:t> </a:t>
+            </a:r>
+            <a:r>
+              <a:rPr lang="es-ES" sz="2200" dirty="0" err="1">
+                <a:solidFill>
+                  <a:schemeClr val="dk1"/>
+                </a:solidFill>
+                <a:latin typeface="Open Sans Medium"/>
+                <a:ea typeface="Open Sans Medium"/>
+                <a:cs typeface="Open Sans Medium"/>
+                <a:sym typeface="Open Sans Medium"/>
+              </a:rPr>
+              <a:t>variance</a:t>
+            </a:r>
+            <a:r>
+              <a:rPr lang="es-ES" sz="2200" dirty="0">
+                <a:solidFill>
+                  <a:schemeClr val="dk1"/>
+                </a:solidFill>
+                <a:latin typeface="Open Sans Medium"/>
+                <a:ea typeface="Open Sans Medium"/>
+                <a:cs typeface="Open Sans Medium"/>
+                <a:sym typeface="Open Sans Medium"/>
+              </a:rPr>
+              <a:t> </a:t>
+            </a:r>
+            <a:r>
+              <a:rPr lang="es-ES" sz="2200" dirty="0" err="1">
+                <a:solidFill>
+                  <a:schemeClr val="dk1"/>
+                </a:solidFill>
+                <a:latin typeface="Open Sans Medium"/>
+                <a:ea typeface="Open Sans Medium"/>
+                <a:cs typeface="Open Sans Medium"/>
+                <a:sym typeface="Open Sans Medium"/>
+              </a:rPr>
+              <a:t>of</a:t>
+            </a:r>
+            <a:r>
+              <a:rPr lang="es-ES" sz="2200" dirty="0">
+                <a:solidFill>
+                  <a:schemeClr val="dk1"/>
+                </a:solidFill>
+                <a:latin typeface="Open Sans Medium"/>
+                <a:ea typeface="Open Sans Medium"/>
+                <a:cs typeface="Open Sans Medium"/>
+                <a:sym typeface="Open Sans Medium"/>
+              </a:rPr>
+              <a:t> </a:t>
+            </a:r>
+            <a:r>
+              <a:rPr lang="es-ES" sz="2200" dirty="0" err="1">
+                <a:solidFill>
+                  <a:schemeClr val="dk1"/>
+                </a:solidFill>
+                <a:latin typeface="Open Sans Medium"/>
+                <a:ea typeface="Open Sans Medium"/>
+                <a:cs typeface="Open Sans Medium"/>
+                <a:sym typeface="Open Sans Medium"/>
+              </a:rPr>
+              <a:t>all</a:t>
+            </a:r>
+            <a:r>
+              <a:rPr lang="es-ES" sz="2200" dirty="0">
+                <a:solidFill>
+                  <a:schemeClr val="dk1"/>
+                </a:solidFill>
+                <a:latin typeface="Open Sans Medium"/>
+                <a:ea typeface="Open Sans Medium"/>
+                <a:cs typeface="Open Sans Medium"/>
+                <a:sym typeface="Open Sans Medium"/>
+              </a:rPr>
+              <a:t> 13 </a:t>
+            </a:r>
+            <a:r>
+              <a:rPr lang="es-ES" sz="2200" dirty="0" err="1">
+                <a:solidFill>
+                  <a:schemeClr val="dk1"/>
+                </a:solidFill>
+                <a:latin typeface="Open Sans Medium"/>
+                <a:ea typeface="Open Sans Medium"/>
+                <a:cs typeface="Open Sans Medium"/>
+                <a:sym typeface="Open Sans Medium"/>
+              </a:rPr>
+              <a:t>predictions</a:t>
+            </a:r>
+            <a:r>
+              <a:rPr lang="es-ES" sz="2200" dirty="0">
+                <a:solidFill>
+                  <a:schemeClr val="dk1"/>
+                </a:solidFill>
+                <a:latin typeface="Open Sans Medium"/>
+                <a:ea typeface="Open Sans Medium"/>
+                <a:cs typeface="Open Sans Medium"/>
+                <a:sym typeface="Open Sans Medium"/>
+              </a:rPr>
+              <a:t>, </a:t>
+            </a:r>
+            <a:r>
+              <a:rPr lang="es-ES" sz="2200" dirty="0" err="1">
+                <a:solidFill>
+                  <a:schemeClr val="dk1"/>
+                </a:solidFill>
+                <a:latin typeface="Open Sans Medium"/>
+                <a:ea typeface="Open Sans Medium"/>
+                <a:cs typeface="Open Sans Medium"/>
+                <a:sym typeface="Open Sans Medium"/>
+              </a:rPr>
+              <a:t>which</a:t>
+            </a:r>
+            <a:r>
+              <a:rPr lang="es-ES" sz="2200" dirty="0">
+                <a:solidFill>
+                  <a:schemeClr val="dk1"/>
+                </a:solidFill>
+                <a:latin typeface="Open Sans Medium"/>
+                <a:ea typeface="Open Sans Medium"/>
+                <a:cs typeface="Open Sans Medium"/>
+                <a:sym typeface="Open Sans Medium"/>
+              </a:rPr>
+              <a:t> </a:t>
+            </a:r>
+            <a:r>
+              <a:rPr lang="es-ES" sz="2200" dirty="0" err="1">
+                <a:solidFill>
+                  <a:schemeClr val="dk1"/>
+                </a:solidFill>
+                <a:latin typeface="Open Sans Medium"/>
+                <a:ea typeface="Open Sans Medium"/>
+                <a:cs typeface="Open Sans Medium"/>
+                <a:sym typeface="Open Sans Medium"/>
+              </a:rPr>
+              <a:t>did</a:t>
+            </a:r>
+            <a:r>
+              <a:rPr lang="es-ES" sz="2200" dirty="0">
+                <a:solidFill>
+                  <a:schemeClr val="dk1"/>
+                </a:solidFill>
+                <a:latin typeface="Open Sans Medium"/>
+                <a:ea typeface="Open Sans Medium"/>
+                <a:cs typeface="Open Sans Medium"/>
+                <a:sym typeface="Open Sans Medium"/>
+              </a:rPr>
+              <a:t> NOT </a:t>
+            </a:r>
+            <a:r>
+              <a:rPr lang="es-ES" sz="2200" dirty="0" err="1">
+                <a:solidFill>
+                  <a:schemeClr val="dk1"/>
+                </a:solidFill>
+                <a:latin typeface="Open Sans Medium"/>
+                <a:ea typeface="Open Sans Medium"/>
+                <a:cs typeface="Open Sans Medium"/>
+                <a:sym typeface="Open Sans Medium"/>
+              </a:rPr>
+              <a:t>affect</a:t>
+            </a:r>
+            <a:r>
+              <a:rPr lang="es-ES" sz="2200" dirty="0">
+                <a:solidFill>
+                  <a:schemeClr val="dk1"/>
+                </a:solidFill>
+                <a:latin typeface="Open Sans Medium"/>
+                <a:ea typeface="Open Sans Medium"/>
+                <a:cs typeface="Open Sans Medium"/>
+                <a:sym typeface="Open Sans Medium"/>
+              </a:rPr>
+              <a:t> </a:t>
+            </a:r>
+            <a:r>
+              <a:rPr lang="es-ES" sz="2200" dirty="0" err="1">
+                <a:solidFill>
+                  <a:schemeClr val="dk1"/>
+                </a:solidFill>
+                <a:latin typeface="Open Sans Medium"/>
+                <a:ea typeface="Open Sans Medium"/>
+                <a:cs typeface="Open Sans Medium"/>
+                <a:sym typeface="Open Sans Medium"/>
+              </a:rPr>
+              <a:t>the</a:t>
+            </a:r>
+            <a:r>
+              <a:rPr lang="es-ES" sz="2200" dirty="0">
+                <a:solidFill>
+                  <a:schemeClr val="dk1"/>
+                </a:solidFill>
+                <a:latin typeface="Open Sans Medium"/>
+                <a:ea typeface="Open Sans Medium"/>
+                <a:cs typeface="Open Sans Medium"/>
+                <a:sym typeface="Open Sans Medium"/>
+              </a:rPr>
+              <a:t> </a:t>
+            </a:r>
+            <a:r>
+              <a:rPr lang="es-ES" sz="2200" dirty="0" err="1">
+                <a:solidFill>
+                  <a:schemeClr val="dk1"/>
+                </a:solidFill>
+                <a:latin typeface="Open Sans Medium"/>
+                <a:ea typeface="Open Sans Medium"/>
+                <a:cs typeface="Open Sans Medium"/>
+                <a:sym typeface="Open Sans Medium"/>
+              </a:rPr>
+              <a:t>previous</a:t>
+            </a:r>
+            <a:r>
+              <a:rPr lang="es-ES" sz="2200" dirty="0">
+                <a:solidFill>
+                  <a:schemeClr val="dk1"/>
+                </a:solidFill>
+                <a:latin typeface="Open Sans Medium"/>
+                <a:ea typeface="Open Sans Medium"/>
+                <a:cs typeface="Open Sans Medium"/>
+                <a:sym typeface="Open Sans Medium"/>
+              </a:rPr>
+              <a:t> </a:t>
+            </a:r>
+            <a:r>
+              <a:rPr lang="es-ES" sz="2200" dirty="0" err="1">
+                <a:solidFill>
+                  <a:schemeClr val="dk1"/>
+                </a:solidFill>
+                <a:latin typeface="Open Sans Medium"/>
+                <a:ea typeface="Open Sans Medium"/>
+                <a:cs typeface="Open Sans Medium"/>
+                <a:sym typeface="Open Sans Medium"/>
+              </a:rPr>
+              <a:t>state</a:t>
+            </a:r>
+            <a:r>
+              <a:rPr lang="es-ES" sz="2200" dirty="0">
+                <a:solidFill>
+                  <a:schemeClr val="dk1"/>
+                </a:solidFill>
+                <a:latin typeface="Open Sans Medium"/>
+                <a:ea typeface="Open Sans Medium"/>
+                <a:cs typeface="Open Sans Medium"/>
+                <a:sym typeface="Open Sans Medium"/>
+              </a:rPr>
+              <a:t> </a:t>
+            </a:r>
+            <a:r>
+              <a:rPr lang="es-ES" sz="2200" dirty="0" err="1">
+                <a:solidFill>
+                  <a:schemeClr val="dk1"/>
+                </a:solidFill>
+                <a:latin typeface="Open Sans Medium"/>
+                <a:ea typeface="Open Sans Medium"/>
+                <a:cs typeface="Open Sans Medium"/>
+                <a:sym typeface="Open Sans Medium"/>
+              </a:rPr>
+              <a:t>of</a:t>
+            </a:r>
+            <a:r>
+              <a:rPr lang="es-ES" sz="2200" dirty="0">
+                <a:solidFill>
+                  <a:schemeClr val="dk1"/>
+                </a:solidFill>
+                <a:latin typeface="Open Sans Medium"/>
+                <a:ea typeface="Open Sans Medium"/>
+                <a:cs typeface="Open Sans Medium"/>
+                <a:sym typeface="Open Sans Medium"/>
+              </a:rPr>
+              <a:t> </a:t>
+            </a:r>
+            <a:r>
+              <a:rPr lang="es-ES" sz="2200" dirty="0" err="1">
+                <a:solidFill>
+                  <a:schemeClr val="dk1"/>
+                </a:solidFill>
+                <a:latin typeface="Open Sans Medium"/>
+                <a:ea typeface="Open Sans Medium"/>
+                <a:cs typeface="Open Sans Medium"/>
+                <a:sym typeface="Open Sans Medium"/>
+              </a:rPr>
+              <a:t>the</a:t>
+            </a:r>
+            <a:r>
+              <a:rPr lang="es-ES" sz="2200" dirty="0">
+                <a:solidFill>
+                  <a:schemeClr val="dk1"/>
+                </a:solidFill>
+                <a:latin typeface="Open Sans Medium"/>
+                <a:ea typeface="Open Sans Medium"/>
+                <a:cs typeface="Open Sans Medium"/>
+                <a:sym typeface="Open Sans Medium"/>
+              </a:rPr>
+              <a:t> </a:t>
+            </a:r>
+            <a:r>
+              <a:rPr lang="es-ES" sz="2200" dirty="0" err="1">
+                <a:solidFill>
+                  <a:schemeClr val="dk1"/>
+                </a:solidFill>
+                <a:latin typeface="Open Sans Medium"/>
+                <a:ea typeface="Open Sans Medium"/>
+                <a:cs typeface="Open Sans Medium"/>
+                <a:sym typeface="Open Sans Medium"/>
+              </a:rPr>
+              <a:t>battery</a:t>
+            </a:r>
+            <a:endParaRPr sz="1300" dirty="0"/>
           </a:p>
         </p:txBody>
       </p:sp>
